--- a/Complimentary Course Content/Module3/Lessons/Module3_Lesson13 Getting Your Apps into the App Store.pptx
+++ b/Complimentary Course Content/Module3/Lessons/Module3_Lesson13 Getting Your Apps into the App Store.pptx
@@ -137,7 +137,7 @@
   </p:defaultTextStyle>
   <p:extLst>
     <p:ext uri="{EFAFB233-063F-42B5-8137-9DF3F51BA10A}">
-      <p15:sldGuideLst xmlns:p15="http://schemas.microsoft.com/office/powerpoint/2012/main" xmlns=""/>
+      <p15:sldGuideLst xmlns="" xmlns:p15="http://schemas.microsoft.com/office/powerpoint/2012/main"/>
     </p:ext>
   </p:extLst>
 </p:presentation>
@@ -225,7 +225,7 @@
           <a:p>
             <a:fld id="{49B60EF2-7028-489F-85D8-FE86CD7CF2A0}" type="datetimeFigureOut">
               <a:rPr lang="en-US" smtClean="0"/>
-              <a:t>6/28/16</a:t>
+              <a:t>6/30/16</a:t>
             </a:fld>
             <a:endParaRPr lang="en-US"/>
           </a:p>
@@ -4905,7 +4905,7 @@
           <a:p>
             <a:fld id="{0459C166-16D3-4A25-A2F8-C51E0E346B22}" type="datetimeFigureOut">
               <a:rPr lang="en-US" smtClean="0"/>
-              <a:t>6/28/16</a:t>
+              <a:t>6/30/16</a:t>
             </a:fld>
             <a:endParaRPr lang="en-US"/>
           </a:p>
@@ -5272,7 +5272,7 @@
           <a:p>
             <a:fld id="{0459C166-16D3-4A25-A2F8-C51E0E346B22}" type="datetimeFigureOut">
               <a:rPr lang="en-US" smtClean="0"/>
-              <a:t>6/28/16</a:t>
+              <a:t>6/30/16</a:t>
             </a:fld>
             <a:endParaRPr lang="en-US"/>
           </a:p>
@@ -5390,7 +5390,7 @@
           <a:p>
             <a:fld id="{0459C166-16D3-4A25-A2F8-C51E0E346B22}" type="datetimeFigureOut">
               <a:rPr lang="en-US" smtClean="0"/>
-              <a:t>6/28/16</a:t>
+              <a:t>6/30/16</a:t>
             </a:fld>
             <a:endParaRPr lang="en-US"/>
           </a:p>
@@ -5689,7 +5689,7 @@
           <a:p>
             <a:fld id="{0459C166-16D3-4A25-A2F8-C51E0E346B22}" type="datetimeFigureOut">
               <a:rPr lang="en-US" smtClean="0"/>
-              <a:t>6/28/16</a:t>
+              <a:t>6/30/16</a:t>
             </a:fld>
             <a:endParaRPr lang="en-US"/>
           </a:p>
@@ -6081,7 +6081,7 @@
           <a:p>
             <a:fld id="{0459C166-16D3-4A25-A2F8-C51E0E346B22}" type="datetimeFigureOut">
               <a:rPr lang="en-US" smtClean="0"/>
-              <a:t>6/28/16</a:t>
+              <a:t>6/30/16</a:t>
             </a:fld>
             <a:endParaRPr lang="en-US"/>
           </a:p>
@@ -6983,7 +6983,7 @@
           <a:p>
             <a:fld id="{0459C166-16D3-4A25-A2F8-C51E0E346B22}" type="datetimeFigureOut">
               <a:rPr lang="en-US" smtClean="0"/>
-              <a:t>6/28/16</a:t>
+              <a:t>6/30/16</a:t>
             </a:fld>
             <a:endParaRPr lang="en-US"/>
           </a:p>
@@ -7248,7 +7248,7 @@
             <a:fld id="{0459C166-16D3-4A25-A2F8-C51E0E346B22}" type="datetimeFigureOut">
               <a:rPr lang="en-US" smtClean="0"/>
               <a:pPr/>
-              <a:t>6/28/16</a:t>
+              <a:t>6/30/16</a:t>
             </a:fld>
             <a:endParaRPr lang="en-US"/>
           </a:p>
@@ -7567,7 +7567,7 @@
           <a:p>
             <a:fld id="{0459C166-16D3-4A25-A2F8-C51E0E346B22}" type="datetimeFigureOut">
               <a:rPr lang="en-US" smtClean="0"/>
-              <a:t>6/28/16</a:t>
+              <a:t>6/30/16</a:t>
             </a:fld>
             <a:endParaRPr lang="en-US"/>
           </a:p>
@@ -8141,7 +8141,7 @@
           <a:p>
             <a:fld id="{0459C166-16D3-4A25-A2F8-C51E0E346B22}" type="datetimeFigureOut">
               <a:rPr lang="en-US" smtClean="0"/>
-              <a:t>6/28/16</a:t>
+              <a:t>6/30/16</a:t>
             </a:fld>
             <a:endParaRPr lang="en-US"/>
           </a:p>
@@ -9288,7 +9288,7 @@
           <a:p>
             <a:fld id="{0459C166-16D3-4A25-A2F8-C51E0E346B22}" type="datetimeFigureOut">
               <a:rPr lang="en-US" smtClean="0"/>
-              <a:t>6/28/16</a:t>
+              <a:t>6/30/16</a:t>
             </a:fld>
             <a:endParaRPr lang="en-US"/>
           </a:p>
@@ -9500,7 +9500,7 @@
           <a:p>
             <a:fld id="{0459C166-16D3-4A25-A2F8-C51E0E346B22}" type="datetimeFigureOut">
               <a:rPr lang="en-US" smtClean="0"/>
-              <a:t>6/28/16</a:t>
+              <a:t>6/30/16</a:t>
             </a:fld>
             <a:endParaRPr lang="en-US"/>
           </a:p>
@@ -21133,7 +21133,7 @@
   <a:extraClrSchemeLst/>
   <a:extLst>
     <a:ext uri="{05A4C25C-085E-4340-85A3-A5531E510DB2}">
-      <thm15:themeFamily xmlns="" xmlns:thm15="http://schemas.microsoft.com/office/thememl/2012/main" name="Office Theme" id="{62F939B6-93AF-4DB8-9C6B-D6C7DFDC589F}" vid="{4A3C46E8-61CC-4603-A589-7422A47A8E4A}"/>
+      <thm15:themeFamily xmlns:thm15="http://schemas.microsoft.com/office/thememl/2012/main" xmlns="" name="Office Theme" id="{62F939B6-93AF-4DB8-9C6B-D6C7DFDC589F}" vid="{4A3C46E8-61CC-4603-A589-7422A47A8E4A}"/>
     </a:ext>
   </a:extLst>
 </a:theme>
@@ -21428,7 +21428,7 @@
   <a:extraClrSchemeLst/>
   <a:extLst>
     <a:ext uri="{05A4C25C-085E-4340-85A3-A5531E510DB2}">
-      <thm15:themeFamily xmlns:thm15="http://schemas.microsoft.com/office/thememl/2012/main" xmlns="" name="Office Theme" id="{62F939B6-93AF-4DB8-9C6B-D6C7DFDC589F}" vid="{4A3C46E8-61CC-4603-A589-7422A47A8E4A}"/>
+      <thm15:themeFamily xmlns="" xmlns:thm15="http://schemas.microsoft.com/office/thememl/2012/main" name="Office Theme" id="{62F939B6-93AF-4DB8-9C6B-D6C7DFDC589F}" vid="{4A3C46E8-61CC-4603-A589-7422A47A8E4A}"/>
     </a:ext>
   </a:extLst>
 </a:theme>

--- a/Complimentary Course Content/Module3/Lessons/Module3_Lesson13 Getting Your Apps into the App Store.pptx
+++ b/Complimentary Course Content/Module3/Lessons/Module3_Lesson13 Getting Your Apps into the App Store.pptx
@@ -137,7 +137,18 @@
   </p:defaultTextStyle>
   <p:extLst>
     <p:ext uri="{EFAFB233-063F-42B5-8137-9DF3F51BA10A}">
-      <p15:sldGuideLst xmlns="" xmlns:p15="http://schemas.microsoft.com/office/powerpoint/2012/main"/>
+      <p15:sldGuideLst xmlns:p15="http://schemas.microsoft.com/office/powerpoint/2012/main">
+        <p15:guide id="1" orient="horz" pos="2160">
+          <p15:clr>
+            <a:srgbClr val="A4A3A4"/>
+          </p15:clr>
+        </p15:guide>
+        <p15:guide id="2" pos="3840">
+          <p15:clr>
+            <a:srgbClr val="A4A3A4"/>
+          </p15:clr>
+        </p15:guide>
+      </p15:sldGuideLst>
     </p:ext>
   </p:extLst>
 </p:presentation>
@@ -225,7 +236,7 @@
           <a:p>
             <a:fld id="{49B60EF2-7028-489F-85D8-FE86CD7CF2A0}" type="datetimeFigureOut">
               <a:rPr lang="en-US" smtClean="0"/>
-              <a:t>6/30/16</a:t>
+              <a:t>9/9/16</a:t>
             </a:fld>
             <a:endParaRPr lang="en-US"/>
           </a:p>
@@ -536,6 +547,117 @@
           <a:bodyPr/>
           <a:lstStyle/>
           <a:p>
+            <a:r>
+              <a:rPr lang="en-US" sz="1200" b="0" i="0" kern="1200" dirty="0" smtClean="0">
+                <a:solidFill>
+                  <a:schemeClr val="tx1"/>
+                </a:solidFill>
+                <a:effectLst/>
+                <a:latin typeface="+mn-lt"/>
+                <a:ea typeface="+mn-ea"/>
+                <a:cs typeface="+mn-cs"/>
+              </a:rPr>
+              <a:t>Images and excerpts from </a:t>
+            </a:r>
+            <a:r>
+              <a:rPr lang="en-US" sz="1200" b="0" i="1" kern="1200" dirty="0" err="1" smtClean="0">
+                <a:solidFill>
+                  <a:schemeClr val="tx1"/>
+                </a:solidFill>
+                <a:effectLst/>
+                <a:latin typeface="+mn-lt"/>
+                <a:ea typeface="+mn-ea"/>
+                <a:cs typeface="+mn-cs"/>
+              </a:rPr>
+              <a:t>Xamarin</a:t>
+            </a:r>
+            <a:r>
+              <a:rPr lang="en-US" sz="1200" b="0" i="1" kern="1200" dirty="0" smtClean="0">
+                <a:solidFill>
+                  <a:schemeClr val="tx1"/>
+                </a:solidFill>
+                <a:effectLst/>
+                <a:latin typeface="+mn-lt"/>
+                <a:ea typeface="+mn-ea"/>
+                <a:cs typeface="+mn-cs"/>
+              </a:rPr>
+              <a:t> Mobile Application Development </a:t>
+            </a:r>
+            <a:r>
+              <a:rPr lang="en-US" sz="1200" b="0" i="0" kern="1200" dirty="0" smtClean="0">
+                <a:solidFill>
+                  <a:schemeClr val="tx1"/>
+                </a:solidFill>
+                <a:effectLst/>
+                <a:latin typeface="+mn-lt"/>
+                <a:ea typeface="+mn-ea"/>
+                <a:cs typeface="+mn-cs"/>
+              </a:rPr>
+              <a:t>by Dan Hermes, published by </a:t>
+            </a:r>
+            <a:r>
+              <a:rPr lang="en-US" sz="1200" b="0" i="0" kern="1200" dirty="0" err="1" smtClean="0">
+                <a:solidFill>
+                  <a:schemeClr val="tx1"/>
+                </a:solidFill>
+                <a:effectLst/>
+                <a:latin typeface="+mn-lt"/>
+                <a:ea typeface="+mn-ea"/>
+                <a:cs typeface="+mn-cs"/>
+              </a:rPr>
+              <a:t>Apress</a:t>
+            </a:r>
+            <a:r>
+              <a:rPr lang="en-US" sz="1200" b="0" i="0" kern="1200" dirty="0" smtClean="0">
+                <a:solidFill>
+                  <a:schemeClr val="tx1"/>
+                </a:solidFill>
+                <a:effectLst/>
+                <a:latin typeface="+mn-lt"/>
+                <a:ea typeface="+mn-ea"/>
+                <a:cs typeface="+mn-cs"/>
+              </a:rPr>
+              <a:t>  </a:t>
+            </a:r>
+          </a:p>
+          <a:p>
+            <a:r>
+              <a:rPr lang="en-US" sz="1200" b="0" i="0" kern="1200" dirty="0" smtClean="0">
+                <a:solidFill>
+                  <a:schemeClr val="tx1"/>
+                </a:solidFill>
+                <a:effectLst/>
+                <a:latin typeface="+mn-lt"/>
+                <a:ea typeface="+mn-ea"/>
+                <a:cs typeface="+mn-cs"/>
+                <a:hlinkClick r:id="rId3"/>
+              </a:rPr>
+              <a:t>http://www.mobilecsharpcafe.com/xamarin</a:t>
+            </a:r>
+            <a:r>
+              <a:rPr lang="en-US" sz="1200" b="0" i="0" kern="1200" smtClean="0">
+                <a:solidFill>
+                  <a:schemeClr val="tx1"/>
+                </a:solidFill>
+                <a:effectLst/>
+                <a:latin typeface="+mn-lt"/>
+                <a:ea typeface="+mn-ea"/>
+                <a:cs typeface="+mn-cs"/>
+                <a:hlinkClick r:id="rId3"/>
+              </a:rPr>
+              <a:t>-book/</a:t>
+            </a:r>
+            <a:endParaRPr lang="en-US" sz="1200" b="0" i="0" kern="1200" smtClean="0">
+              <a:solidFill>
+                <a:schemeClr val="tx1"/>
+              </a:solidFill>
+              <a:effectLst/>
+              <a:latin typeface="+mn-lt"/>
+              <a:ea typeface="+mn-ea"/>
+              <a:cs typeface="+mn-cs"/>
+            </a:endParaRPr>
+          </a:p>
+          <a:p>
             <a:endParaRPr lang="en-US" dirty="0"/>
           </a:p>
         </p:txBody>
@@ -4905,7 +5027,7 @@
           <a:p>
             <a:fld id="{0459C166-16D3-4A25-A2F8-C51E0E346B22}" type="datetimeFigureOut">
               <a:rPr lang="en-US" smtClean="0"/>
-              <a:t>6/30/16</a:t>
+              <a:t>9/9/16</a:t>
             </a:fld>
             <a:endParaRPr lang="en-US"/>
           </a:p>
@@ -5272,7 +5394,7 @@
           <a:p>
             <a:fld id="{0459C166-16D3-4A25-A2F8-C51E0E346B22}" type="datetimeFigureOut">
               <a:rPr lang="en-US" smtClean="0"/>
-              <a:t>6/30/16</a:t>
+              <a:t>9/9/16</a:t>
             </a:fld>
             <a:endParaRPr lang="en-US"/>
           </a:p>
@@ -5390,7 +5512,7 @@
           <a:p>
             <a:fld id="{0459C166-16D3-4A25-A2F8-C51E0E346B22}" type="datetimeFigureOut">
               <a:rPr lang="en-US" smtClean="0"/>
-              <a:t>6/30/16</a:t>
+              <a:t>9/9/16</a:t>
             </a:fld>
             <a:endParaRPr lang="en-US"/>
           </a:p>
@@ -5689,7 +5811,7 @@
           <a:p>
             <a:fld id="{0459C166-16D3-4A25-A2F8-C51E0E346B22}" type="datetimeFigureOut">
               <a:rPr lang="en-US" smtClean="0"/>
-              <a:t>6/30/16</a:t>
+              <a:t>9/9/16</a:t>
             </a:fld>
             <a:endParaRPr lang="en-US"/>
           </a:p>
@@ -6081,7 +6203,7 @@
           <a:p>
             <a:fld id="{0459C166-16D3-4A25-A2F8-C51E0E346B22}" type="datetimeFigureOut">
               <a:rPr lang="en-US" smtClean="0"/>
-              <a:t>6/30/16</a:t>
+              <a:t>9/9/16</a:t>
             </a:fld>
             <a:endParaRPr lang="en-US"/>
           </a:p>
@@ -6983,7 +7105,7 @@
           <a:p>
             <a:fld id="{0459C166-16D3-4A25-A2F8-C51E0E346B22}" type="datetimeFigureOut">
               <a:rPr lang="en-US" smtClean="0"/>
-              <a:t>6/30/16</a:t>
+              <a:t>9/9/16</a:t>
             </a:fld>
             <a:endParaRPr lang="en-US"/>
           </a:p>
@@ -7248,7 +7370,7 @@
             <a:fld id="{0459C166-16D3-4A25-A2F8-C51E0E346B22}" type="datetimeFigureOut">
               <a:rPr lang="en-US" smtClean="0"/>
               <a:pPr/>
-              <a:t>6/30/16</a:t>
+              <a:t>9/9/16</a:t>
             </a:fld>
             <a:endParaRPr lang="en-US"/>
           </a:p>
@@ -7567,7 +7689,7 @@
           <a:p>
             <a:fld id="{0459C166-16D3-4A25-A2F8-C51E0E346B22}" type="datetimeFigureOut">
               <a:rPr lang="en-US" smtClean="0"/>
-              <a:t>6/30/16</a:t>
+              <a:t>9/9/16</a:t>
             </a:fld>
             <a:endParaRPr lang="en-US"/>
           </a:p>
@@ -8141,7 +8263,7 @@
           <a:p>
             <a:fld id="{0459C166-16D3-4A25-A2F8-C51E0E346B22}" type="datetimeFigureOut">
               <a:rPr lang="en-US" smtClean="0"/>
-              <a:t>6/30/16</a:t>
+              <a:t>9/9/16</a:t>
             </a:fld>
             <a:endParaRPr lang="en-US"/>
           </a:p>
@@ -9288,7 +9410,7 @@
           <a:p>
             <a:fld id="{0459C166-16D3-4A25-A2F8-C51E0E346B22}" type="datetimeFigureOut">
               <a:rPr lang="en-US" smtClean="0"/>
-              <a:t>6/30/16</a:t>
+              <a:t>9/9/16</a:t>
             </a:fld>
             <a:endParaRPr lang="en-US"/>
           </a:p>
@@ -9500,7 +9622,7 @@
           <a:p>
             <a:fld id="{0459C166-16D3-4A25-A2F8-C51E0E346B22}" type="datetimeFigureOut">
               <a:rPr lang="en-US" smtClean="0"/>
-              <a:t>6/30/16</a:t>
+              <a:t>9/9/16</a:t>
             </a:fld>
             <a:endParaRPr lang="en-US"/>
           </a:p>
@@ -13178,7 +13300,7 @@
   <p:timing>
     <p:tnLst>
       <p:par>
-        <p:cTn xmlns:p14="http://schemas.microsoft.com/office/powerpoint/2010/main" id="1" dur="indefinite" restart="never" nodeType="tmRoot"/>
+        <p:cTn id="1" dur="indefinite" restart="never" nodeType="tmRoot"/>
       </p:par>
     </p:tnLst>
   </p:timing>
@@ -13518,7 +13640,7 @@
   <p:timing>
     <p:tnLst>
       <p:par>
-        <p:cTn xmlns:p14="http://schemas.microsoft.com/office/powerpoint/2010/main" id="1" dur="indefinite" restart="never" nodeType="tmRoot"/>
+        <p:cTn id="1" dur="indefinite" restart="never" nodeType="tmRoot"/>
       </p:par>
     </p:tnLst>
   </p:timing>
@@ -13900,7 +14022,7 @@
           <a:noFill/>
           <a:extLst>
             <a:ext uri="{909E8E84-426E-40dd-AFC4-6F175D3DCCD1}">
-              <a14:hiddenFill xmlns:a14="http://schemas.microsoft.com/office/drawing/2010/main">
+              <a14:hiddenFill xmlns:a14="http://schemas.microsoft.com/office/drawing/2010/main" xmlns="">
                 <a:solidFill>
                   <a:srgbClr val="FFFFFF"/>
                 </a:solidFill>
@@ -13922,7 +14044,7 @@
   <p:timing>
     <p:tnLst>
       <p:par>
-        <p:cTn xmlns:p14="http://schemas.microsoft.com/office/powerpoint/2010/main" id="1" dur="indefinite" restart="never" nodeType="tmRoot"/>
+        <p:cTn id="1" dur="indefinite" restart="never" nodeType="tmRoot"/>
       </p:par>
     </p:tnLst>
   </p:timing>
@@ -14304,7 +14426,7 @@
           <a:noFill/>
           <a:extLst>
             <a:ext uri="{909E8E84-426E-40dd-AFC4-6F175D3DCCD1}">
-              <a14:hiddenFill xmlns:a14="http://schemas.microsoft.com/office/drawing/2010/main">
+              <a14:hiddenFill xmlns:a14="http://schemas.microsoft.com/office/drawing/2010/main" xmlns="">
                 <a:solidFill>
                   <a:srgbClr val="FFFFFF"/>
                 </a:solidFill>
@@ -16536,7 +16658,7 @@
           <a:noFill/>
           <a:extLst>
             <a:ext uri="{909E8E84-426E-40dd-AFC4-6F175D3DCCD1}">
-              <a14:hiddenFill xmlns:a14="http://schemas.microsoft.com/office/drawing/2010/main">
+              <a14:hiddenFill xmlns:a14="http://schemas.microsoft.com/office/drawing/2010/main" xmlns="">
                 <a:solidFill>
                   <a:srgbClr val="FFFFFF"/>
                 </a:solidFill>
@@ -19320,7 +19442,7 @@
   <p:timing>
     <p:tnLst>
       <p:par>
-        <p:cTn xmlns:p14="http://schemas.microsoft.com/office/powerpoint/2010/main" id="1" dur="indefinite" restart="never" nodeType="tmRoot"/>
+        <p:cTn id="1" dur="indefinite" restart="never" nodeType="tmRoot"/>
       </p:par>
     </p:tnLst>
   </p:timing>
@@ -19787,7 +19909,7 @@
           </a:ln>
           <a:extLst>
             <a:ext uri="{909E8E84-426E-40dd-AFC4-6F175D3DCCD1}">
-              <a14:hiddenFill xmlns:a14="http://schemas.microsoft.com/office/drawing/2010/main">
+              <a14:hiddenFill xmlns:a14="http://schemas.microsoft.com/office/drawing/2010/main" xmlns="">
                 <a:solidFill>
                   <a:srgbClr val="FFFFFF"/>
                 </a:solidFill>
@@ -19809,7 +19931,7 @@
   <p:timing>
     <p:tnLst>
       <p:par>
-        <p:cTn xmlns:p14="http://schemas.microsoft.com/office/powerpoint/2010/main" id="1" dur="indefinite" restart="never" nodeType="tmRoot"/>
+        <p:cTn id="1" dur="indefinite" restart="never" nodeType="tmRoot"/>
       </p:par>
     </p:tnLst>
   </p:timing>
@@ -20405,7 +20527,7 @@
   <p:timing>
     <p:tnLst>
       <p:par>
-        <p:cTn xmlns:p14="http://schemas.microsoft.com/office/powerpoint/2010/main" id="1" dur="indefinite" restart="never" nodeType="tmRoot"/>
+        <p:cTn id="1" dur="indefinite" restart="never" nodeType="tmRoot"/>
       </p:par>
     </p:tnLst>
   </p:timing>
@@ -20841,7 +20963,7 @@
           <a:noFill/>
           <a:extLst>
             <a:ext uri="{909E8E84-426E-40dd-AFC4-6F175D3DCCD1}">
-              <a14:hiddenFill xmlns:a14="http://schemas.microsoft.com/office/drawing/2010/main">
+              <a14:hiddenFill xmlns:a14="http://schemas.microsoft.com/office/drawing/2010/main" xmlns="">
                 <a:solidFill>
                   <a:srgbClr val="FFFFFF"/>
                 </a:solidFill>
@@ -20863,7 +20985,7 @@
   <p:timing>
     <p:tnLst>
       <p:par>
-        <p:cTn xmlns:p14="http://schemas.microsoft.com/office/powerpoint/2010/main" id="1" dur="indefinite" restart="never" nodeType="tmRoot"/>
+        <p:cTn id="1" dur="indefinite" restart="never" nodeType="tmRoot"/>
       </p:par>
     </p:tnLst>
   </p:timing>
@@ -21133,7 +21255,7 @@
   <a:extraClrSchemeLst/>
   <a:extLst>
     <a:ext uri="{05A4C25C-085E-4340-85A3-A5531E510DB2}">
-      <thm15:themeFamily xmlns:thm15="http://schemas.microsoft.com/office/thememl/2012/main" xmlns="" name="Office Theme" id="{62F939B6-93AF-4DB8-9C6B-D6C7DFDC589F}" vid="{4A3C46E8-61CC-4603-A589-7422A47A8E4A}"/>
+      <thm15:themeFamily xmlns:thm15="http://schemas.microsoft.com/office/thememl/2012/main" name="Office Theme" id="{62F939B6-93AF-4DB8-9C6B-D6C7DFDC589F}" vid="{4A3C46E8-61CC-4603-A589-7422A47A8E4A}"/>
     </a:ext>
   </a:extLst>
 </a:theme>
@@ -21428,7 +21550,7 @@
   <a:extraClrSchemeLst/>
   <a:extLst>
     <a:ext uri="{05A4C25C-085E-4340-85A3-A5531E510DB2}">
-      <thm15:themeFamily xmlns="" xmlns:thm15="http://schemas.microsoft.com/office/thememl/2012/main" name="Office Theme" id="{62F939B6-93AF-4DB8-9C6B-D6C7DFDC589F}" vid="{4A3C46E8-61CC-4603-A589-7422A47A8E4A}"/>
+      <thm15:themeFamily xmlns:thm15="http://schemas.microsoft.com/office/thememl/2012/main" name="Office Theme" id="{62F939B6-93AF-4DB8-9C6B-D6C7DFDC589F}" vid="{4A3C46E8-61CC-4603-A589-7422A47A8E4A}"/>
     </a:ext>
   </a:extLst>
 </a:theme>
